--- a/LGBoost Algorithm.pptx
+++ b/LGBoost Algorithm.pptx
@@ -9,6 +9,7 @@
     <p:sldId id="256" r:id="rId3"/>
     <p:sldId id="257" r:id="rId4"/>
     <p:sldId id="258" r:id="rId5"/>
+    <p:sldId id="261" r:id="rId6"/>
   </p:sldIdLst>
   <p:sldSz cx="12192000" cy="6858000"/>
   <p:notesSz cx="6858000" cy="9144000"/>
@@ -12506,27 +12507,15 @@
           <a:lstStyle/>
           <a:p>
             <a:r>
-              <a:rPr lang="en-IN" dirty="0" err="1">
-                <a:solidFill>
-                  <a:schemeClr val="bg1">
-                    <a:lumMod val="95000"/>
-                    <a:lumOff val="5000"/>
-                  </a:schemeClr>
-                </a:solidFill>
-                <a:latin typeface="Arial" panose="020B0604020202020204" pitchFamily="34" charset="0"/>
+              <a:rPr lang="en-IN" b="1" dirty="0" err="1">
+                <a:latin typeface="Garamond" panose="02020404030301010803" pitchFamily="18" charset="0"/>
                 <a:cs typeface="Arial" panose="020B0604020202020204" pitchFamily="34" charset="0"/>
               </a:rPr>
               <a:t>LightGBM</a:t>
             </a:r>
             <a:r>
-              <a:rPr lang="en-IN" dirty="0">
-                <a:solidFill>
-                  <a:schemeClr val="bg1">
-                    <a:lumMod val="95000"/>
-                    <a:lumOff val="5000"/>
-                  </a:schemeClr>
-                </a:solidFill>
-                <a:latin typeface="Arial" panose="020B0604020202020204" pitchFamily="34" charset="0"/>
+              <a:rPr lang="en-IN" b="1" dirty="0">
+                <a:latin typeface="Garamond" panose="02020404030301010803" pitchFamily="18" charset="0"/>
                 <a:cs typeface="Arial" panose="020B0604020202020204" pitchFamily="34" charset="0"/>
               </a:rPr>
               <a:t> is short term for Light Gradient Boosting Machine</a:t>
@@ -12534,20 +12523,33 @@
           </a:p>
           <a:p>
             <a:r>
-              <a:rPr lang="en-IN" dirty="0">
-                <a:solidFill>
-                  <a:schemeClr val="bg1">
-                    <a:lumMod val="95000"/>
-                    <a:lumOff val="5000"/>
-                  </a:schemeClr>
-                </a:solidFill>
-                <a:latin typeface="Arial" panose="020B0604020202020204" pitchFamily="34" charset="0"/>
+              <a:rPr lang="en-IN" b="1" dirty="0">
+                <a:latin typeface="Garamond" panose="02020404030301010803" pitchFamily="18" charset="0"/>
                 <a:cs typeface="Arial" panose="020B0604020202020204" pitchFamily="34" charset="0"/>
               </a:rPr>
               <a:t>It is Fast, Efficient and scalable</a:t>
             </a:r>
           </a:p>
           <a:p>
+            <a:r>
+              <a:rPr lang="en-GB" b="1" dirty="0">
+                <a:latin typeface="Garamond" panose="02020404030301010803" pitchFamily="18" charset="0"/>
+                <a:cs typeface="Arial" panose="020B0604020202020204" pitchFamily="34" charset="0"/>
+              </a:rPr>
+              <a:t>Built for high-performance machine learning</a:t>
+            </a:r>
+          </a:p>
+          <a:p>
+            <a:pPr marL="0" indent="0">
+              <a:buNone/>
+            </a:pPr>
+            <a:r>
+              <a:rPr lang="en-GB" b="1" dirty="0">
+                <a:latin typeface="Garamond" panose="02020404030301010803" pitchFamily="18" charset="0"/>
+                <a:cs typeface="Arial" panose="020B0604020202020204" pitchFamily="34" charset="0"/>
+              </a:rPr>
+              <a:t> — especially for structured/tabular data</a:t>
+            </a:r>
             <a:r>
               <a:rPr lang="en-GB" dirty="0">
                 <a:solidFill>
@@ -12559,25 +12561,7 @@
                 <a:latin typeface="Arial" panose="020B0604020202020204" pitchFamily="34" charset="0"/>
                 <a:cs typeface="Arial" panose="020B0604020202020204" pitchFamily="34" charset="0"/>
               </a:rPr>
-              <a:t>Built for high-performance machine learning</a:t>
-            </a:r>
-          </a:p>
-          <a:p>
-            <a:pPr marL="0" indent="0">
-              <a:buNone/>
-            </a:pPr>
-            <a:r>
-              <a:rPr lang="en-GB" dirty="0">
-                <a:solidFill>
-                  <a:schemeClr val="bg1">
-                    <a:lumMod val="95000"/>
-                    <a:lumOff val="5000"/>
-                  </a:schemeClr>
-                </a:solidFill>
-                <a:latin typeface="Arial" panose="020B0604020202020204" pitchFamily="34" charset="0"/>
-                <a:cs typeface="Arial" panose="020B0604020202020204" pitchFamily="34" charset="0"/>
-              </a:rPr>
-              <a:t> — especially for structured/tabular data.</a:t>
+              <a:t>.</a:t>
             </a:r>
             <a:endParaRPr lang="en-IN" dirty="0">
               <a:solidFill>
@@ -12683,10 +12667,14 @@
           <a:lstStyle/>
           <a:p>
             <a:r>
-              <a:rPr lang="en-GB" dirty="0"/>
+              <a:rPr lang="en-GB" dirty="0">
+                <a:latin typeface="Cooper Black" panose="0208090404030B020404" pitchFamily="18" charset="0"/>
+              </a:rPr>
               <a:t>             Features of LGBM</a:t>
             </a:r>
-            <a:endParaRPr lang="en-IN" dirty="0"/>
+            <a:endParaRPr lang="en-IN" dirty="0">
+              <a:latin typeface="Cooper Black" panose="0208090404030B020404" pitchFamily="18" charset="0"/>
+            </a:endParaRPr>
           </a:p>
         </p:txBody>
       </p:sp>
@@ -12719,55 +12707,17 @@
           <a:lstStyle/>
           <a:p>
             <a:r>
-              <a:rPr lang="en-IN" dirty="0">
-                <a:solidFill>
-                  <a:schemeClr val="bg1">
-                    <a:lumMod val="95000"/>
-                    <a:lumOff val="5000"/>
-                  </a:schemeClr>
-                </a:solidFill>
-                <a:latin typeface="Arial" panose="020B0604020202020204" pitchFamily="34" charset="0"/>
+              <a:rPr lang="en-IN" b="1" dirty="0">
+                <a:latin typeface="Garamond" panose="02020404030301010803" pitchFamily="18" charset="0"/>
                 <a:cs typeface="Arial" panose="020B0604020202020204" pitchFamily="34" charset="0"/>
               </a:rPr>
-              <a:t>Handles </a:t>
+              <a:t>Handles large datasets efficiently</a:t>
             </a:r>
+          </a:p>
+          <a:p>
             <a:r>
               <a:rPr lang="en-IN" b="1" dirty="0">
-                <a:solidFill>
-                  <a:schemeClr val="bg1">
-                    <a:lumMod val="95000"/>
-                    <a:lumOff val="5000"/>
-                  </a:schemeClr>
-                </a:solidFill>
-                <a:latin typeface="Arial" panose="020B0604020202020204" pitchFamily="34" charset="0"/>
-                <a:cs typeface="Arial" panose="020B0604020202020204" pitchFamily="34" charset="0"/>
-              </a:rPr>
-              <a:t>large datasets</a:t>
-            </a:r>
-            <a:r>
-              <a:rPr lang="en-IN" dirty="0">
-                <a:solidFill>
-                  <a:schemeClr val="bg1">
-                    <a:lumMod val="95000"/>
-                    <a:lumOff val="5000"/>
-                  </a:schemeClr>
-                </a:solidFill>
-                <a:latin typeface="Arial" panose="020B0604020202020204" pitchFamily="34" charset="0"/>
-                <a:cs typeface="Arial" panose="020B0604020202020204" pitchFamily="34" charset="0"/>
-              </a:rPr>
-              <a:t> efficiently</a:t>
-            </a:r>
-          </a:p>
-          <a:p>
-            <a:r>
-              <a:rPr lang="en-IN" dirty="0">
-                <a:solidFill>
-                  <a:schemeClr val="bg1">
-                    <a:lumMod val="95000"/>
-                    <a:lumOff val="5000"/>
-                  </a:schemeClr>
-                </a:solidFill>
-                <a:latin typeface="Arial" panose="020B0604020202020204" pitchFamily="34" charset="0"/>
+                <a:latin typeface="Garamond" panose="02020404030301010803" pitchFamily="18" charset="0"/>
                 <a:cs typeface="Arial" panose="020B0604020202020204" pitchFamily="34" charset="0"/>
               </a:rPr>
               <a:t>Low memory usage</a:t>
@@ -12775,14 +12725,8 @@
           </a:p>
           <a:p>
             <a:r>
-              <a:rPr lang="en-IN" dirty="0">
-                <a:solidFill>
-                  <a:schemeClr val="bg1">
-                    <a:lumMod val="95000"/>
-                    <a:lumOff val="5000"/>
-                  </a:schemeClr>
-                </a:solidFill>
-                <a:latin typeface="Arial" panose="020B0604020202020204" pitchFamily="34" charset="0"/>
+              <a:rPr lang="en-IN" b="1" dirty="0">
+                <a:latin typeface="Garamond" panose="02020404030301010803" pitchFamily="18" charset="0"/>
                 <a:cs typeface="Arial" panose="020B0604020202020204" pitchFamily="34" charset="0"/>
               </a:rPr>
               <a:t>Faster training than XGBoost</a:t>
@@ -12790,41 +12734,12 @@
           </a:p>
           <a:p>
             <a:r>
-              <a:rPr lang="en-IN" dirty="0">
-                <a:solidFill>
-                  <a:schemeClr val="bg1">
-                    <a:lumMod val="95000"/>
-                    <a:lumOff val="5000"/>
-                  </a:schemeClr>
-                </a:solidFill>
-                <a:latin typeface="Arial" panose="020B0604020202020204" pitchFamily="34" charset="0"/>
+              <a:rPr lang="en-IN" b="1" dirty="0">
+                <a:latin typeface="Garamond" panose="02020404030301010803" pitchFamily="18" charset="0"/>
                 <a:cs typeface="Arial" panose="020B0604020202020204" pitchFamily="34" charset="0"/>
               </a:rPr>
-              <a:t>Can handle </a:t>
+              <a:t>Can handle missing values</a:t>
             </a:r>
-            <a:r>
-              <a:rPr lang="en-IN" b="1" dirty="0">
-                <a:solidFill>
-                  <a:schemeClr val="bg1">
-                    <a:lumMod val="95000"/>
-                    <a:lumOff val="5000"/>
-                  </a:schemeClr>
-                </a:solidFill>
-                <a:latin typeface="Arial" panose="020B0604020202020204" pitchFamily="34" charset="0"/>
-                <a:cs typeface="Arial" panose="020B0604020202020204" pitchFamily="34" charset="0"/>
-              </a:rPr>
-              <a:t>missing values</a:t>
-            </a:r>
-            <a:endParaRPr lang="en-IN" dirty="0">
-              <a:solidFill>
-                <a:schemeClr val="bg1">
-                  <a:lumMod val="95000"/>
-                  <a:lumOff val="5000"/>
-                </a:schemeClr>
-              </a:solidFill>
-              <a:latin typeface="Arial" panose="020B0604020202020204" pitchFamily="34" charset="0"/>
-              <a:cs typeface="Arial" panose="020B0604020202020204" pitchFamily="34" charset="0"/>
-            </a:endParaRPr>
           </a:p>
         </p:txBody>
       </p:sp>
@@ -12881,9 +12796,17 @@
           <a:p>
             <a:r>
               <a:rPr lang="en-GB" dirty="0"/>
-              <a:t>      How it works?</a:t>
+              <a:t>      </a:t>
             </a:r>
-            <a:endParaRPr lang="en-IN" dirty="0"/>
+            <a:r>
+              <a:rPr lang="en-GB" dirty="0">
+                <a:latin typeface="Cooper Black" panose="0208090404030B020404" pitchFamily="18" charset="0"/>
+              </a:rPr>
+              <a:t>How it works?</a:t>
+            </a:r>
+            <a:endParaRPr lang="en-IN" dirty="0">
+              <a:latin typeface="Cooper Black" panose="0208090404030B020404" pitchFamily="18" charset="0"/>
+            </a:endParaRPr>
           </a:p>
         </p:txBody>
       </p:sp>
@@ -12914,14 +12837,8 @@
           <a:lstStyle/>
           <a:p>
             <a:r>
-              <a:rPr lang="en-GB" dirty="0">
-                <a:solidFill>
-                  <a:schemeClr val="bg1">
-                    <a:lumMod val="95000"/>
-                    <a:lumOff val="5000"/>
-                  </a:schemeClr>
-                </a:solidFill>
-                <a:latin typeface="Arial" panose="020B0604020202020204" pitchFamily="34" charset="0"/>
+              <a:rPr lang="en-GB" b="1" dirty="0">
+                <a:latin typeface="Garamond" panose="02020404030301010803" pitchFamily="18" charset="0"/>
                 <a:cs typeface="Arial" panose="020B0604020202020204" pitchFamily="34" charset="0"/>
               </a:rPr>
               <a:t>Starts with an initial prediction</a:t>
@@ -12929,137 +12846,35 @@
           </a:p>
           <a:p>
             <a:r>
-              <a:rPr lang="en-GB" dirty="0">
-                <a:solidFill>
-                  <a:schemeClr val="bg1">
-                    <a:lumMod val="95000"/>
-                    <a:lumOff val="5000"/>
-                  </a:schemeClr>
-                </a:solidFill>
-                <a:latin typeface="Arial" panose="020B0604020202020204" pitchFamily="34" charset="0"/>
+              <a:rPr lang="en-GB" b="1" dirty="0">
+                <a:latin typeface="Garamond" panose="02020404030301010803" pitchFamily="18" charset="0"/>
                 <a:cs typeface="Arial" panose="020B0604020202020204" pitchFamily="34" charset="0"/>
               </a:rPr>
-              <a:t>Fits a </a:t>
+              <a:t>Fits a decision tree to the residuals (error)</a:t>
             </a:r>
+          </a:p>
+          <a:p>
             <a:r>
               <a:rPr lang="en-GB" b="1" dirty="0">
-                <a:solidFill>
-                  <a:schemeClr val="bg1">
-                    <a:lumMod val="95000"/>
-                    <a:lumOff val="5000"/>
-                  </a:schemeClr>
-                </a:solidFill>
-                <a:latin typeface="Arial" panose="020B0604020202020204" pitchFamily="34" charset="0"/>
+                <a:latin typeface="Garamond" panose="02020404030301010803" pitchFamily="18" charset="0"/>
                 <a:cs typeface="Arial" panose="020B0604020202020204" pitchFamily="34" charset="0"/>
               </a:rPr>
-              <a:t>decision tree</a:t>
+              <a:t>Uses gradient boosting to minimize loss (like MSE)</a:t>
             </a:r>
+          </a:p>
+          <a:p>
             <a:r>
-              <a:rPr lang="en-GB" dirty="0">
-                <a:solidFill>
-                  <a:schemeClr val="bg1">
-                    <a:lumMod val="95000"/>
-                    <a:lumOff val="5000"/>
-                  </a:schemeClr>
-                </a:solidFill>
-                <a:latin typeface="Arial" panose="020B0604020202020204" pitchFamily="34" charset="0"/>
+              <a:rPr lang="en-GB" b="1" dirty="0">
+                <a:latin typeface="Garamond" panose="02020404030301010803" pitchFamily="18" charset="0"/>
                 <a:cs typeface="Arial" panose="020B0604020202020204" pitchFamily="34" charset="0"/>
               </a:rPr>
-              <a:t> to the residuals (error)</a:t>
+              <a:t>Builds trees in a leaf-wise manner for better accuracy</a:t>
             </a:r>
           </a:p>
           <a:p>
-            <a:r>
-              <a:rPr lang="en-GB" dirty="0">
-                <a:solidFill>
-                  <a:schemeClr val="bg1">
-                    <a:lumMod val="95000"/>
-                    <a:lumOff val="5000"/>
-                  </a:schemeClr>
-                </a:solidFill>
-                <a:latin typeface="Arial" panose="020B0604020202020204" pitchFamily="34" charset="0"/>
-                <a:cs typeface="Arial" panose="020B0604020202020204" pitchFamily="34" charset="0"/>
-              </a:rPr>
-              <a:t>Uses </a:t>
-            </a:r>
             <a:r>
               <a:rPr lang="en-GB" b="1" dirty="0">
-                <a:solidFill>
-                  <a:schemeClr val="bg1">
-                    <a:lumMod val="95000"/>
-                    <a:lumOff val="5000"/>
-                  </a:schemeClr>
-                </a:solidFill>
-                <a:latin typeface="Arial" panose="020B0604020202020204" pitchFamily="34" charset="0"/>
-                <a:cs typeface="Arial" panose="020B0604020202020204" pitchFamily="34" charset="0"/>
-              </a:rPr>
-              <a:t>gradient boosting</a:t>
-            </a:r>
-            <a:r>
-              <a:rPr lang="en-GB" dirty="0">
-                <a:solidFill>
-                  <a:schemeClr val="bg1">
-                    <a:lumMod val="95000"/>
-                    <a:lumOff val="5000"/>
-                  </a:schemeClr>
-                </a:solidFill>
-                <a:latin typeface="Arial" panose="020B0604020202020204" pitchFamily="34" charset="0"/>
-                <a:cs typeface="Arial" panose="020B0604020202020204" pitchFamily="34" charset="0"/>
-              </a:rPr>
-              <a:t> to minimize loss (like MSE)</a:t>
-            </a:r>
-          </a:p>
-          <a:p>
-            <a:r>
-              <a:rPr lang="en-GB" dirty="0">
-                <a:solidFill>
-                  <a:schemeClr val="bg1">
-                    <a:lumMod val="95000"/>
-                    <a:lumOff val="5000"/>
-                  </a:schemeClr>
-                </a:solidFill>
-                <a:latin typeface="Arial" panose="020B0604020202020204" pitchFamily="34" charset="0"/>
-                <a:cs typeface="Arial" panose="020B0604020202020204" pitchFamily="34" charset="0"/>
-              </a:rPr>
-              <a:t>Builds trees in a </a:t>
-            </a:r>
-            <a:r>
-              <a:rPr lang="en-GB" b="1" dirty="0">
-                <a:solidFill>
-                  <a:schemeClr val="bg1">
-                    <a:lumMod val="95000"/>
-                    <a:lumOff val="5000"/>
-                  </a:schemeClr>
-                </a:solidFill>
-                <a:latin typeface="Arial" panose="020B0604020202020204" pitchFamily="34" charset="0"/>
-                <a:cs typeface="Arial" panose="020B0604020202020204" pitchFamily="34" charset="0"/>
-              </a:rPr>
-              <a:t>leaf-wise</a:t>
-            </a:r>
-            <a:r>
-              <a:rPr lang="en-GB" dirty="0">
-                <a:solidFill>
-                  <a:schemeClr val="bg1">
-                    <a:lumMod val="95000"/>
-                    <a:lumOff val="5000"/>
-                  </a:schemeClr>
-                </a:solidFill>
-                <a:latin typeface="Arial" panose="020B0604020202020204" pitchFamily="34" charset="0"/>
-                <a:cs typeface="Arial" panose="020B0604020202020204" pitchFamily="34" charset="0"/>
-              </a:rPr>
-              <a:t> manner for better accuracy</a:t>
-            </a:r>
-          </a:p>
-          <a:p>
-            <a:r>
-              <a:rPr lang="en-GB" dirty="0">
-                <a:solidFill>
-                  <a:schemeClr val="bg1">
-                    <a:lumMod val="95000"/>
-                    <a:lumOff val="5000"/>
-                  </a:schemeClr>
-                </a:solidFill>
-                <a:latin typeface="Arial" panose="020B0604020202020204" pitchFamily="34" charset="0"/>
+                <a:latin typeface="Garamond" panose="02020404030301010803" pitchFamily="18" charset="0"/>
                 <a:cs typeface="Arial" panose="020B0604020202020204" pitchFamily="34" charset="0"/>
               </a:rPr>
               <a:t>Repeats for n_estimators rounds</a:t>
@@ -13142,6 +12957,176 @@
     <p:extLst>
       <p:ext uri="{BB962C8B-B14F-4D97-AF65-F5344CB8AC3E}">
         <p14:creationId xmlns:p14="http://schemas.microsoft.com/office/powerpoint/2010/main" val="887300500"/>
+      </p:ext>
+    </p:extLst>
+  </p:cSld>
+  <p:clrMapOvr>
+    <a:masterClrMapping/>
+  </p:clrMapOvr>
+</p:sld>
+</file>
+
+<file path=ppt/slides/slide5.xml><?xml version="1.0" encoding="utf-8"?>
+<p:sld xmlns:a="http://schemas.openxmlformats.org/drawingml/2006/main" xmlns:r="http://schemas.openxmlformats.org/officeDocument/2006/relationships" xmlns:p="http://schemas.openxmlformats.org/presentationml/2006/main">
+  <p:cSld>
+    <p:spTree>
+      <p:nvGrpSpPr>
+        <p:cNvPr id="1" name=""/>
+        <p:cNvGrpSpPr/>
+        <p:nvPr/>
+      </p:nvGrpSpPr>
+      <p:grpSpPr>
+        <a:xfrm>
+          <a:off x="0" y="0"/>
+          <a:ext cx="0" cy="0"/>
+          <a:chOff x="0" y="0"/>
+          <a:chExt cx="0" cy="0"/>
+        </a:xfrm>
+      </p:grpSpPr>
+      <p:sp>
+        <p:nvSpPr>
+          <p:cNvPr id="2" name="Title 1">
+            <a:extLst>
+              <a:ext uri="{FF2B5EF4-FFF2-40B4-BE49-F238E27FC236}">
+                <a16:creationId xmlns:a16="http://schemas.microsoft.com/office/drawing/2014/main" id="{8536D266-922C-A2D1-9D8C-859B4712F4FA}"/>
+              </a:ext>
+            </a:extLst>
+          </p:cNvPr>
+          <p:cNvSpPr>
+            <a:spLocks noGrp="1"/>
+          </p:cNvSpPr>
+          <p:nvPr>
+            <p:ph type="title"/>
+          </p:nvPr>
+        </p:nvSpPr>
+        <p:spPr>
+          <a:xfrm>
+            <a:off x="1402670" y="0"/>
+            <a:ext cx="9905998" cy="1478570"/>
+          </a:xfrm>
+        </p:spPr>
+        <p:txBody>
+          <a:bodyPr/>
+          <a:lstStyle/>
+          <a:p>
+            <a:r>
+              <a:rPr lang="en-GB" dirty="0">
+                <a:latin typeface="Cooper Black" panose="0208090404030B020404" pitchFamily="18" charset="0"/>
+              </a:rPr>
+              <a:t>Advantages of </a:t>
+            </a:r>
+            <a:r>
+              <a:rPr lang="en-GB" dirty="0" err="1">
+                <a:latin typeface="Cooper Black" panose="0208090404030B020404" pitchFamily="18" charset="0"/>
+              </a:rPr>
+              <a:t>LGBoost</a:t>
+            </a:r>
+            <a:endParaRPr lang="en-IN" dirty="0">
+              <a:latin typeface="Cooper Black" panose="0208090404030B020404" pitchFamily="18" charset="0"/>
+            </a:endParaRPr>
+          </a:p>
+        </p:txBody>
+      </p:sp>
+      <p:sp>
+        <p:nvSpPr>
+          <p:cNvPr id="3" name="Content Placeholder 2">
+            <a:extLst>
+              <a:ext uri="{FF2B5EF4-FFF2-40B4-BE49-F238E27FC236}">
+                <a16:creationId xmlns:a16="http://schemas.microsoft.com/office/drawing/2014/main" id="{DB4FA675-B347-EB8B-8B8A-9470720B3E64}"/>
+              </a:ext>
+            </a:extLst>
+          </p:cNvPr>
+          <p:cNvSpPr>
+            <a:spLocks noGrp="1"/>
+          </p:cNvSpPr>
+          <p:nvPr>
+            <p:ph idx="1"/>
+          </p:nvPr>
+        </p:nvSpPr>
+        <p:spPr>
+          <a:xfrm>
+            <a:off x="1642155" y="1761597"/>
+            <a:ext cx="10549845" cy="4365917"/>
+          </a:xfrm>
+        </p:spPr>
+        <p:txBody>
+          <a:bodyPr>
+            <a:normAutofit lnSpcReduction="10000"/>
+          </a:bodyPr>
+          <a:lstStyle/>
+          <a:p>
+            <a:r>
+              <a:rPr lang="en-IN" b="1" dirty="0">
+                <a:latin typeface="Garamond" panose="02020404030301010803" pitchFamily="18" charset="0"/>
+              </a:rPr>
+              <a:t>Very fast training speed</a:t>
+            </a:r>
+          </a:p>
+          <a:p>
+            <a:r>
+              <a:rPr lang="en-IN" b="1" dirty="0">
+                <a:latin typeface="Garamond" panose="02020404030301010803" pitchFamily="18" charset="0"/>
+              </a:rPr>
+              <a:t>Handles large datasets easily</a:t>
+            </a:r>
+          </a:p>
+          <a:p>
+            <a:r>
+              <a:rPr lang="en-IN" b="1" dirty="0">
+                <a:latin typeface="Garamond" panose="02020404030301010803" pitchFamily="18" charset="0"/>
+              </a:rPr>
+              <a:t>Supports categorical features directly</a:t>
+            </a:r>
+          </a:p>
+          <a:p>
+            <a:r>
+              <a:rPr lang="en-IN" b="1" dirty="0">
+                <a:latin typeface="Garamond" panose="02020404030301010803" pitchFamily="18" charset="0"/>
+              </a:rPr>
+              <a:t>High accuracy</a:t>
+            </a:r>
+          </a:p>
+          <a:p>
+            <a:r>
+              <a:rPr lang="en-IN" b="1" dirty="0">
+                <a:latin typeface="Garamond" panose="02020404030301010803" pitchFamily="18" charset="0"/>
+              </a:rPr>
+              <a:t>Automatically handles missing values</a:t>
+            </a:r>
+          </a:p>
+          <a:p>
+            <a:r>
+              <a:rPr lang="en-IN" b="1" dirty="0">
+                <a:latin typeface="Garamond" panose="02020404030301010803" pitchFamily="18" charset="0"/>
+              </a:rPr>
+              <a:t>Uses leaf-wise tree growth</a:t>
+            </a:r>
+          </a:p>
+          <a:p>
+            <a:r>
+              <a:rPr lang="en-IN" b="1" dirty="0">
+                <a:latin typeface="Garamond" panose="02020404030301010803" pitchFamily="18" charset="0"/>
+              </a:rPr>
+              <a:t>Reduces overfitting with regularization</a:t>
+            </a:r>
+          </a:p>
+          <a:p>
+            <a:r>
+              <a:rPr lang="en-GB" b="1" dirty="0">
+                <a:latin typeface="Garamond" panose="02020404030301010803" pitchFamily="18" charset="0"/>
+              </a:rPr>
+              <a:t>Good for both regression and classification</a:t>
+            </a:r>
+            <a:endParaRPr lang="en-IN" b="1" dirty="0">
+              <a:latin typeface="Garamond" panose="02020404030301010803" pitchFamily="18" charset="0"/>
+            </a:endParaRPr>
+          </a:p>
+        </p:txBody>
+      </p:sp>
+    </p:spTree>
+    <p:extLst>
+      <p:ext uri="{BB962C8B-B14F-4D97-AF65-F5344CB8AC3E}">
+        <p14:creationId xmlns:p14="http://schemas.microsoft.com/office/powerpoint/2010/main" val="2717267562"/>
       </p:ext>
     </p:extLst>
   </p:cSld>
